--- a/interim-012025/cats-chairs-slides.pptx
+++ b/interim-012025/cats-chairs-slides.pptx
@@ -17491,8 +17491,44 @@
                 <a:effectLst/>
                 <a:latin typeface="-apple-system"/>
               </a:rPr>
-              <a:t>Does the WG want to push for RFC publication, or just tag the I-D as having consensus?</a:t>
+              <a:t>Does the WG want to push for RFC publication, or just tag the I-D as having consensus? </a:t>
             </a:r>
+            <a:r>
+              <a:rPr lang="en-US" sz="1600" dirty="0">
+                <a:solidFill>
+                  <a:srgbClr val="1F2328"/>
+                </a:solidFill>
+                <a:latin typeface="-apple-system"/>
+              </a:rPr>
+              <a:t>Refer to the IESG statement on </a:t>
+            </a:r>
+            <a:r>
+              <a:rPr lang="en-US" sz="1600" dirty="0">
+                <a:solidFill>
+                  <a:srgbClr val="1F2328"/>
+                </a:solidFill>
+                <a:latin typeface="-apple-system"/>
+                <a:hlinkClick r:id="rId2"/>
+              </a:rPr>
+              <a:t>“</a:t>
+            </a:r>
+            <a:r>
+              <a:rPr lang="en-US" sz="1600" dirty="0">
+                <a:hlinkClick r:id="rId2"/>
+              </a:rPr>
+              <a:t>Support Documents in IETF Working Groups</a:t>
+            </a:r>
+            <a:r>
+              <a:rPr lang="en-US" sz="1600" dirty="0"/>
+              <a:t>”</a:t>
+            </a:r>
+            <a:endParaRPr lang="en-US" sz="1200" b="0" i="0" dirty="0">
+              <a:solidFill>
+                <a:srgbClr val="1F2328"/>
+              </a:solidFill>
+              <a:effectLst/>
+              <a:latin typeface="-apple-system"/>
+            </a:endParaRPr>
           </a:p>
           <a:p>
             <a:pPr algn="l">
@@ -17691,7 +17727,7 @@
           <p:cNvPr id="6" name="Image 5">
             <a:extLst>
               <a:ext uri="{FF2B5EF4-FFF2-40B4-BE49-F238E27FC236}">
-                <a16:creationId xmlns:a16="http://schemas.microsoft.com/office/drawing/2014/main" id="{DF6F6D9D-4AE6-0DB1-CEA6-B548088483B8}"/>
+                <a16:creationId xmlns:a16="http://schemas.microsoft.com/office/drawing/2014/main" id="{DBB68BA2-93F5-ACAE-9F71-CE000D577D42}"/>
               </a:ext>
             </a:extLst>
           </p:cNvPr>
@@ -17708,8 +17744,8 @@
         </p:blipFill>
         <p:spPr>
           <a:xfrm>
-            <a:off x="1555572" y="1853205"/>
-            <a:ext cx="6170175" cy="3136449"/>
+            <a:off x="746450" y="1882813"/>
+            <a:ext cx="7161068" cy="3200300"/>
           </a:xfrm>
           <a:prstGeom prst="rect">
             <a:avLst/>
